--- a/CRM.pptx
+++ b/CRM.pptx
@@ -9,6 +9,7 @@
     <p:sldId id="257" r:id="rId3"/>
     <p:sldId id="258" r:id="rId4"/>
     <p:sldId id="259" r:id="rId5"/>
+    <p:sldId id="260" r:id="rId6"/>
   </p:sldIdLst>
   <p:sldSz cx="12192000" cy="6858000"/>
   <p:notesSz cx="6858000" cy="9144000"/>
@@ -107,6 +108,11 @@
       </a:defRPr>
     </a:lvl9pPr>
   </p:defaultTextStyle>
+  <p:extLst>
+    <p:ext uri="{EFAFB233-063F-42B5-8137-9DF3F51BA10A}">
+      <p15:sldGuideLst xmlns:p15="http://schemas.microsoft.com/office/powerpoint/2012/main"/>
+    </p:ext>
+  </p:extLst>
 </p:presentation>
 </file>
 
@@ -613,7 +619,7 @@
             <a:fld id="{B61BEF0D-F0BB-DE4B-95CE-6DB70DBA9567}" type="datetimeFigureOut">
               <a:rPr lang="en-US" dirty="0"/>
               <a:pPr/>
-              <a:t>6/24/2016</a:t>
+              <a:t>6/25/2016</a:t>
             </a:fld>
             <a:endParaRPr lang="en-US" dirty="0"/>
           </a:p>
@@ -906,7 +912,7 @@
             <a:fld id="{B61BEF0D-F0BB-DE4B-95CE-6DB70DBA9567}" type="datetimeFigureOut">
               <a:rPr lang="en-US" dirty="0"/>
               <a:pPr/>
-              <a:t>6/24/2016</a:t>
+              <a:t>6/25/2016</a:t>
             </a:fld>
             <a:endParaRPr lang="en-US" dirty="0"/>
           </a:p>
@@ -1151,7 +1157,7 @@
             <a:fld id="{B61BEF0D-F0BB-DE4B-95CE-6DB70DBA9567}" type="datetimeFigureOut">
               <a:rPr lang="en-US" dirty="0"/>
               <a:pPr/>
-              <a:t>6/24/2016</a:t>
+              <a:t>6/25/2016</a:t>
             </a:fld>
             <a:endParaRPr lang="en-US" dirty="0"/>
           </a:p>
@@ -1688,7 +1694,7 @@
             <a:fld id="{B61BEF0D-F0BB-DE4B-95CE-6DB70DBA9567}" type="datetimeFigureOut">
               <a:rPr lang="en-US" dirty="0"/>
               <a:pPr/>
-              <a:t>6/24/2016</a:t>
+              <a:t>6/25/2016</a:t>
             </a:fld>
             <a:endParaRPr lang="en-US" dirty="0"/>
           </a:p>
@@ -1933,7 +1939,7 @@
             <a:fld id="{B61BEF0D-F0BB-DE4B-95CE-6DB70DBA9567}" type="datetimeFigureOut">
               <a:rPr lang="en-US" dirty="0"/>
               <a:pPr/>
-              <a:t>6/24/2016</a:t>
+              <a:t>6/25/2016</a:t>
             </a:fld>
             <a:endParaRPr lang="en-US" dirty="0"/>
           </a:p>
@@ -2462,7 +2468,7 @@
             <a:fld id="{B61BEF0D-F0BB-DE4B-95CE-6DB70DBA9567}" type="datetimeFigureOut">
               <a:rPr lang="en-US" dirty="0"/>
               <a:pPr/>
-              <a:t>6/24/2016</a:t>
+              <a:t>6/25/2016</a:t>
             </a:fld>
             <a:endParaRPr lang="en-US" dirty="0"/>
           </a:p>
@@ -2756,7 +2762,7 @@
             <a:fld id="{B61BEF0D-F0BB-DE4B-95CE-6DB70DBA9567}" type="datetimeFigureOut">
               <a:rPr lang="en-US" dirty="0"/>
               <a:pPr/>
-              <a:t>6/24/2016</a:t>
+              <a:t>6/25/2016</a:t>
             </a:fld>
             <a:endParaRPr lang="en-US" dirty="0"/>
           </a:p>
@@ -2927,7 +2933,7 @@
             <a:fld id="{B61BEF0D-F0BB-DE4B-95CE-6DB70DBA9567}" type="datetimeFigureOut">
               <a:rPr lang="en-US" dirty="0"/>
               <a:pPr/>
-              <a:t>6/24/2016</a:t>
+              <a:t>6/25/2016</a:t>
             </a:fld>
             <a:endParaRPr lang="en-US" dirty="0"/>
           </a:p>
@@ -3104,7 +3110,7 @@
             <a:fld id="{B61BEF0D-F0BB-DE4B-95CE-6DB70DBA9567}" type="datetimeFigureOut">
               <a:rPr lang="en-US" dirty="0"/>
               <a:pPr/>
-              <a:t>6/24/2016</a:t>
+              <a:t>6/25/2016</a:t>
             </a:fld>
             <a:endParaRPr lang="en-US" dirty="0"/>
           </a:p>
@@ -3271,7 +3277,7 @@
             <a:fld id="{B61BEF0D-F0BB-DE4B-95CE-6DB70DBA9567}" type="datetimeFigureOut">
               <a:rPr lang="en-US" dirty="0"/>
               <a:pPr/>
-              <a:t>6/24/2016</a:t>
+              <a:t>6/25/2016</a:t>
             </a:fld>
             <a:endParaRPr lang="en-US" dirty="0"/>
           </a:p>
@@ -3519,7 +3525,7 @@
             <a:fld id="{B61BEF0D-F0BB-DE4B-95CE-6DB70DBA9567}" type="datetimeFigureOut">
               <a:rPr lang="en-US" dirty="0"/>
               <a:pPr/>
-              <a:t>6/24/2016</a:t>
+              <a:t>6/25/2016</a:t>
             </a:fld>
             <a:endParaRPr lang="en-US" dirty="0"/>
           </a:p>
@@ -3813,7 +3819,7 @@
             <a:fld id="{B61BEF0D-F0BB-DE4B-95CE-6DB70DBA9567}" type="datetimeFigureOut">
               <a:rPr lang="en-US" dirty="0"/>
               <a:pPr/>
-              <a:t>6/24/2016</a:t>
+              <a:t>6/25/2016</a:t>
             </a:fld>
             <a:endParaRPr lang="en-US" dirty="0"/>
           </a:p>
@@ -4252,7 +4258,7 @@
             <a:fld id="{B61BEF0D-F0BB-DE4B-95CE-6DB70DBA9567}" type="datetimeFigureOut">
               <a:rPr lang="en-US" dirty="0"/>
               <a:pPr/>
-              <a:t>6/24/2016</a:t>
+              <a:t>6/25/2016</a:t>
             </a:fld>
             <a:endParaRPr lang="en-US" dirty="0"/>
           </a:p>
@@ -4367,7 +4373,7 @@
             <a:fld id="{B61BEF0D-F0BB-DE4B-95CE-6DB70DBA9567}" type="datetimeFigureOut">
               <a:rPr lang="en-US" dirty="0"/>
               <a:pPr/>
-              <a:t>6/24/2016</a:t>
+              <a:t>6/25/2016</a:t>
             </a:fld>
             <a:endParaRPr lang="en-US" dirty="0"/>
           </a:p>
@@ -4459,7 +4465,7 @@
             <a:fld id="{B61BEF0D-F0BB-DE4B-95CE-6DB70DBA9567}" type="datetimeFigureOut">
               <a:rPr lang="en-US" dirty="0"/>
               <a:pPr/>
-              <a:t>6/24/2016</a:t>
+              <a:t>6/25/2016</a:t>
             </a:fld>
             <a:endParaRPr lang="en-US" dirty="0"/>
           </a:p>
@@ -4739,7 +4745,7 @@
             <a:fld id="{B61BEF0D-F0BB-DE4B-95CE-6DB70DBA9567}" type="datetimeFigureOut">
               <a:rPr lang="en-US" dirty="0"/>
               <a:pPr/>
-              <a:t>6/24/2016</a:t>
+              <a:t>6/25/2016</a:t>
             </a:fld>
             <a:endParaRPr lang="en-US" dirty="0"/>
           </a:p>
@@ -5027,7 +5033,7 @@
             <a:fld id="{B61BEF0D-F0BB-DE4B-95CE-6DB70DBA9567}" type="datetimeFigureOut">
               <a:rPr lang="en-US" dirty="0"/>
               <a:pPr/>
-              <a:t>6/24/2016</a:t>
+              <a:t>6/25/2016</a:t>
             </a:fld>
             <a:endParaRPr lang="en-US" dirty="0"/>
           </a:p>
@@ -5554,7 +5560,7 @@
             <a:fld id="{B61BEF0D-F0BB-DE4B-95CE-6DB70DBA9567}" type="datetimeFigureOut">
               <a:rPr lang="en-US" dirty="0"/>
               <a:pPr/>
-              <a:t>6/24/2016</a:t>
+              <a:t>6/25/2016</a:t>
             </a:fld>
             <a:endParaRPr lang="en-US" dirty="0"/>
           </a:p>
@@ -6166,7 +6172,12 @@
             <p:ph type="title"/>
           </p:nvPr>
         </p:nvSpPr>
-        <p:spPr/>
+        <p:spPr>
+          <a:xfrm>
+            <a:off x="1504859" y="367301"/>
+            <a:ext cx="10018713" cy="824501"/>
+          </a:xfrm>
+        </p:spPr>
         <p:txBody>
           <a:bodyPr/>
           <a:lstStyle/>
@@ -6187,6 +6198,73 @@
           </a:p>
         </p:txBody>
       </p:sp>
+      <p:sp>
+        <p:nvSpPr>
+          <p:cNvPr id="3" name="TextBox 2"/>
+          <p:cNvSpPr txBox="1"/>
+          <p:nvPr/>
+        </p:nvSpPr>
+        <p:spPr>
+          <a:xfrm>
+            <a:off x="1674689" y="1325366"/>
+            <a:ext cx="3729518" cy="1631216"/>
+          </a:xfrm>
+          <a:prstGeom prst="rect">
+            <a:avLst/>
+          </a:prstGeom>
+          <a:noFill/>
+        </p:spPr>
+        <p:txBody>
+          <a:bodyPr wrap="square" rtlCol="0">
+            <a:spAutoFit/>
+          </a:bodyPr>
+          <a:lstStyle/>
+          <a:p>
+            <a:r>
+              <a:rPr lang="ru-RU" sz="2000" dirty="0" smtClean="0"/>
+              <a:t>В данной задаче:</a:t>
+            </a:r>
+            <a:br>
+              <a:rPr lang="ru-RU" sz="2000" dirty="0" smtClean="0"/>
+            </a:br>
+            <a:r>
+              <a:rPr lang="ru-RU" sz="2000" dirty="0" smtClean="0"/>
+              <a:t>Хранить персональные данные клиентов и их историю заказов. При необходимости</a:t>
+            </a:r>
+          </a:p>
+          <a:p>
+            <a:r>
+              <a:rPr lang="ru-RU" sz="2000" dirty="0" smtClean="0"/>
+              <a:t>выдавать отчёты.</a:t>
+            </a:r>
+            <a:endParaRPr lang="ru-RU" sz="2000" dirty="0"/>
+          </a:p>
+        </p:txBody>
+      </p:sp>
+      <p:pic>
+        <p:nvPicPr>
+          <p:cNvPr id="4" name="Рисунок 3"/>
+          <p:cNvPicPr>
+            <a:picLocks noChangeAspect="1"/>
+          </p:cNvPicPr>
+          <p:nvPr/>
+        </p:nvPicPr>
+        <p:blipFill>
+          <a:blip r:embed="rId2"/>
+          <a:stretch>
+            <a:fillRect/>
+          </a:stretch>
+        </p:blipFill>
+        <p:spPr>
+          <a:xfrm>
+            <a:off x="5609691" y="1191802"/>
+            <a:ext cx="5424754" cy="5428930"/>
+          </a:xfrm>
+          <a:prstGeom prst="rect">
+            <a:avLst/>
+          </a:prstGeom>
+        </p:spPr>
+      </p:pic>
     </p:spTree>
     <p:extLst>
       <p:ext uri="{BB962C8B-B14F-4D97-AF65-F5344CB8AC3E}">
@@ -6217,26 +6295,138 @@
           <a:chExt cx="0" cy="0"/>
         </a:xfrm>
       </p:grpSpPr>
-      <p:sp>
-        <p:nvSpPr>
-          <p:cNvPr id="2" name="Заголовок 1"/>
-          <p:cNvSpPr>
-            <a:spLocks noGrp="1"/>
-          </p:cNvSpPr>
-          <p:nvPr>
-            <p:ph type="title"/>
-          </p:nvPr>
-        </p:nvSpPr>
-        <p:spPr/>
-        <p:txBody>
-          <a:bodyPr/>
+      <p:pic>
+        <p:nvPicPr>
+          <p:cNvPr id="3" name="Рисунок 2"/>
+          <p:cNvPicPr>
+            <a:picLocks noChangeAspect="1"/>
+          </p:cNvPicPr>
+          <p:nvPr/>
+        </p:nvPicPr>
+        <p:blipFill>
+          <a:blip r:embed="rId2">
+            <a:extLst>
+              <a:ext uri="{28A0092B-C50C-407E-A947-70E740481C1C}">
+                <a14:useLocalDpi xmlns:a14="http://schemas.microsoft.com/office/drawing/2010/main" val="0"/>
+              </a:ext>
+            </a:extLst>
+          </a:blip>
+          <a:stretch>
+            <a:fillRect/>
+          </a:stretch>
+        </p:blipFill>
+        <p:spPr>
+          <a:xfrm>
+            <a:off x="3012916" y="273217"/>
+            <a:ext cx="7619047" cy="1523809"/>
+          </a:xfrm>
+          <a:prstGeom prst="rect">
+            <a:avLst/>
+          </a:prstGeom>
+        </p:spPr>
+      </p:pic>
+      <p:sp>
+        <p:nvSpPr>
+          <p:cNvPr id="5" name="Прямоугольник 4"/>
+          <p:cNvSpPr/>
+          <p:nvPr/>
+        </p:nvSpPr>
+        <p:spPr>
+          <a:xfrm>
+            <a:off x="2717916" y="1797026"/>
+            <a:ext cx="7155549" cy="3477875"/>
+          </a:xfrm>
+          <a:prstGeom prst="rect">
+            <a:avLst/>
+          </a:prstGeom>
+        </p:spPr>
+        <p:txBody>
+          <a:bodyPr wrap="square">
+            <a:spAutoFit/>
+          </a:bodyPr>
           <a:lstStyle/>
           <a:p>
             <a:r>
-              <a:rPr lang="en-US" dirty="0" smtClean="0"/>
-              <a:t>MongoDB</a:t>
-            </a:r>
-            <a:endParaRPr lang="ru-RU" dirty="0"/>
+              <a:rPr lang="ru-RU" sz="2000" dirty="0" smtClean="0"/>
+              <a:t>	Был реализован </a:t>
+            </a:r>
+            <a:r>
+              <a:rPr lang="en-US" sz="2000" dirty="0" smtClean="0"/>
+              <a:t>RESTful API </a:t>
+            </a:r>
+            <a:r>
+              <a:rPr lang="ru-RU" sz="2000" dirty="0" smtClean="0"/>
+              <a:t>сервер, который предоставляет ресурсы для манипулирования заказами и  персональными данными клиентов.</a:t>
+            </a:r>
+            <a:br>
+              <a:rPr lang="ru-RU" sz="2000" dirty="0" smtClean="0"/>
+            </a:br>
+            <a:r>
+              <a:rPr lang="ru-RU" sz="2000" dirty="0" smtClean="0"/>
+              <a:t/>
+            </a:r>
+            <a:br>
+              <a:rPr lang="ru-RU" sz="2000" dirty="0" smtClean="0"/>
+            </a:br>
+            <a:r>
+              <a:rPr lang="ru-RU" sz="2000" dirty="0" smtClean="0"/>
+              <a:t>	В </a:t>
+            </a:r>
+            <a:r>
+              <a:rPr lang="en-US" sz="2000" dirty="0" smtClean="0"/>
+              <a:t>NoSQL </a:t>
+            </a:r>
+            <a:r>
+              <a:rPr lang="ru-RU" sz="2000" dirty="0" smtClean="0"/>
+              <a:t>хранятся две коллекции: заказы и клиенты</a:t>
+            </a:r>
+            <a:r>
+              <a:rPr lang="en-US" sz="2000" dirty="0" smtClean="0"/>
+              <a:t>, </a:t>
+            </a:r>
+            <a:r>
+              <a:rPr lang="ru-RU" sz="2000" dirty="0" smtClean="0"/>
+              <a:t>да, это реляционные сущности, но преимущества в удобстве</a:t>
+            </a:r>
+            <a:r>
+              <a:rPr lang="en-US" sz="2000" dirty="0" smtClean="0"/>
+              <a:t> </a:t>
+            </a:r>
+            <a:r>
+              <a:rPr lang="ru-RU" sz="2000" dirty="0" smtClean="0"/>
+              <a:t>использования документно-ориентированной </a:t>
+            </a:r>
+            <a:r>
+              <a:rPr lang="en-US" sz="2000" dirty="0" smtClean="0"/>
+              <a:t>MongoDB </a:t>
+            </a:r>
+            <a:r>
+              <a:rPr lang="ru-RU" sz="2000" dirty="0" smtClean="0"/>
+              <a:t>не оставили мне выбора.</a:t>
+            </a:r>
+            <a:br>
+              <a:rPr lang="ru-RU" sz="2000" dirty="0" smtClean="0"/>
+            </a:br>
+            <a:r>
+              <a:rPr lang="ru-RU" sz="2000" dirty="0" smtClean="0"/>
+              <a:t/>
+            </a:r>
+            <a:br>
+              <a:rPr lang="ru-RU" sz="2000" dirty="0" smtClean="0"/>
+            </a:br>
+            <a:r>
+              <a:rPr lang="ru-RU" sz="2000" dirty="0" smtClean="0"/>
+              <a:t>	В крупных </a:t>
+            </a:r>
+            <a:r>
+              <a:rPr lang="en-US" sz="2000" dirty="0" smtClean="0"/>
+              <a:t>CRM </a:t>
+            </a:r>
+            <a:r>
+              <a:rPr lang="ru-RU" sz="2000" dirty="0" smtClean="0"/>
+              <a:t>конечно должна использоваться реляционная база данных.</a:t>
+            </a:r>
+            <a:endParaRPr lang="ru-RU" sz="2000" dirty="0"/>
           </a:p>
         </p:txBody>
       </p:sp>
@@ -6272,22 +6462,397 @@
       </p:grpSpPr>
       <p:sp>
         <p:nvSpPr>
-          <p:cNvPr id="2" name="Заголовок 1"/>
-          <p:cNvSpPr>
-            <a:spLocks noGrp="1"/>
-          </p:cNvSpPr>
-          <p:nvPr>
-            <p:ph type="title"/>
-          </p:nvPr>
-        </p:nvSpPr>
-        <p:spPr/>
-        <p:txBody>
-          <a:bodyPr/>
+          <p:cNvPr id="5" name="Прямоугольник 4"/>
+          <p:cNvSpPr/>
+          <p:nvPr/>
+        </p:nvSpPr>
+        <p:spPr>
+          <a:xfrm>
+            <a:off x="2373331" y="133186"/>
+            <a:ext cx="9698806" cy="6555641"/>
+          </a:xfrm>
+          <a:prstGeom prst="rect">
+            <a:avLst/>
+          </a:prstGeom>
+        </p:spPr>
+        <p:txBody>
+          <a:bodyPr wrap="square">
+            <a:spAutoFit/>
+          </a:bodyPr>
           <a:lstStyle/>
           <a:p>
             <a:r>
-              <a:rPr lang="en-US" dirty="0" err="1" smtClean="0"/>
-              <a:t>NodeJS</a:t>
+              <a:rPr lang="ru-RU" sz="2400" dirty="0"/>
+              <a:t>Список ресурсов</a:t>
+            </a:r>
+          </a:p>
+          <a:p>
+            <a:endParaRPr lang="ru-RU" dirty="0"/>
+          </a:p>
+          <a:p>
+            <a:r>
+              <a:rPr lang="en-US" b="1" dirty="0" smtClean="0"/>
+              <a:t>GET</a:t>
+            </a:r>
+            <a:r>
+              <a:rPr lang="en-US" dirty="0" smtClean="0"/>
+              <a:t> </a:t>
+            </a:r>
+            <a:r>
+              <a:rPr lang="en-US" b="1" i="1" dirty="0" smtClean="0"/>
+              <a:t>/CRM/</a:t>
+            </a:r>
+            <a:r>
+              <a:rPr lang="en-US" b="1" i="1" dirty="0" err="1" smtClean="0"/>
+              <a:t>getClients</a:t>
+            </a:r>
+            <a:r>
+              <a:rPr lang="en-US" dirty="0" smtClean="0"/>
+              <a:t> - </a:t>
+            </a:r>
+            <a:r>
+              <a:rPr lang="ru-RU" dirty="0"/>
+              <a:t>список клиентов. Без параметров.</a:t>
+            </a:r>
+          </a:p>
+          <a:p>
+            <a:r>
+              <a:rPr lang="en-US" b="1" dirty="0"/>
+              <a:t>GET</a:t>
+            </a:r>
+            <a:r>
+              <a:rPr lang="en-US" dirty="0"/>
+              <a:t> </a:t>
+            </a:r>
+            <a:r>
+              <a:rPr lang="en-US" b="1" i="1" dirty="0"/>
+              <a:t>/</a:t>
+            </a:r>
+            <a:r>
+              <a:rPr lang="en-US" b="1" i="1" dirty="0" smtClean="0"/>
+              <a:t>CRM/</a:t>
+            </a:r>
+            <a:r>
+              <a:rPr lang="en-US" b="1" i="1" dirty="0" err="1" smtClean="0"/>
+              <a:t>getClient?orderId</a:t>
+            </a:r>
+            <a:r>
+              <a:rPr lang="en-US" b="1" i="1" dirty="0"/>
+              <a:t>={Id} </a:t>
+            </a:r>
+            <a:r>
+              <a:rPr lang="en-US" dirty="0"/>
+              <a:t>- </a:t>
+            </a:r>
+            <a:r>
+              <a:rPr lang="ru-RU" dirty="0"/>
+              <a:t>информация о клиенте по указанному </a:t>
+            </a:r>
+            <a:r>
+              <a:rPr lang="en-US" dirty="0" err="1"/>
+              <a:t>orderId</a:t>
+            </a:r>
+            <a:r>
+              <a:rPr lang="en-US" dirty="0"/>
+              <a:t>.</a:t>
+            </a:r>
+          </a:p>
+          <a:p>
+            <a:r>
+              <a:rPr lang="en-US" b="1" dirty="0"/>
+              <a:t>POST</a:t>
+            </a:r>
+            <a:r>
+              <a:rPr lang="en-US" dirty="0"/>
+              <a:t> </a:t>
+            </a:r>
+            <a:r>
+              <a:rPr lang="en-US" b="1" i="1" dirty="0"/>
+              <a:t>/CRM/</a:t>
+            </a:r>
+            <a:r>
+              <a:rPr lang="en-US" b="1" i="1" dirty="0" err="1"/>
+              <a:t>addClient</a:t>
+            </a:r>
+            <a:r>
+              <a:rPr lang="en-US" dirty="0"/>
+              <a:t> - </a:t>
+            </a:r>
+            <a:r>
+              <a:rPr lang="ru-RU" dirty="0"/>
+              <a:t>добавление клиента. В теле поста </a:t>
+            </a:r>
+            <a:r>
+              <a:rPr lang="en-US" dirty="0"/>
+              <a:t>JSON </a:t>
+            </a:r>
+            <a:r>
+              <a:rPr lang="ru-RU" dirty="0"/>
+              <a:t>с данными о новом клиенте.</a:t>
+            </a:r>
+          </a:p>
+          <a:p>
+            <a:r>
+              <a:rPr lang="en-US" b="1" dirty="0"/>
+              <a:t>POST</a:t>
+            </a:r>
+            <a:r>
+              <a:rPr lang="en-US" dirty="0"/>
+              <a:t> </a:t>
+            </a:r>
+            <a:r>
+              <a:rPr lang="en-US" b="1" i="1" dirty="0"/>
+              <a:t>/CRM/</a:t>
+            </a:r>
+            <a:r>
+              <a:rPr lang="en-US" b="1" i="1" dirty="0" err="1"/>
+              <a:t>findClient</a:t>
+            </a:r>
+            <a:r>
+              <a:rPr lang="en-US" dirty="0"/>
+              <a:t> - </a:t>
+            </a:r>
+            <a:r>
+              <a:rPr lang="ru-RU" dirty="0"/>
+              <a:t>поиск клиентов по указанному фильтру. В теле поста фильтр </a:t>
+            </a:r>
+            <a:r>
+              <a:rPr lang="en-US" dirty="0"/>
+              <a:t>JSON, </a:t>
+            </a:r>
+            <a:r>
+              <a:rPr lang="ru-RU" dirty="0"/>
+              <a:t>пример: Такой фильтр найдёт всех клиентов с именем </a:t>
+            </a:r>
+            <a:r>
+              <a:rPr lang="en-US" dirty="0"/>
+              <a:t>Alexey </a:t>
+            </a:r>
+            <a:r>
+              <a:rPr lang="ru-RU" dirty="0"/>
+              <a:t>в часовом поясе Москвы</a:t>
+            </a:r>
+            <a:r>
+              <a:rPr lang="ru-RU" dirty="0" smtClean="0"/>
+              <a:t>.</a:t>
+            </a:r>
+            <a:endParaRPr lang="ru-RU" dirty="0"/>
+          </a:p>
+          <a:p>
+            <a:r>
+              <a:rPr lang="ru-RU" dirty="0"/>
+              <a:t>{</a:t>
+            </a:r>
+          </a:p>
+          <a:p>
+            <a:r>
+              <a:rPr lang="ru-RU" dirty="0"/>
+              <a:t>   "</a:t>
+            </a:r>
+            <a:r>
+              <a:rPr lang="en-US" dirty="0"/>
+              <a:t>name": "Alexey",</a:t>
+            </a:r>
+          </a:p>
+          <a:p>
+            <a:r>
+              <a:rPr lang="en-US" dirty="0"/>
+              <a:t>  "</a:t>
+            </a:r>
+            <a:r>
+              <a:rPr lang="en-US" dirty="0" err="1"/>
+              <a:t>timezone</a:t>
+            </a:r>
+            <a:r>
+              <a:rPr lang="en-US" dirty="0"/>
+              <a:t>": "Europe/Moscow",</a:t>
+            </a:r>
+          </a:p>
+          <a:p>
+            <a:r>
+              <a:rPr lang="en-US" dirty="0" smtClean="0"/>
+              <a:t>}</a:t>
+            </a:r>
+            <a:endParaRPr lang="en-US" dirty="0"/>
+          </a:p>
+          <a:p>
+            <a:r>
+              <a:rPr lang="en-US" b="1" dirty="0"/>
+              <a:t>POST</a:t>
+            </a:r>
+            <a:r>
+              <a:rPr lang="en-US" dirty="0"/>
+              <a:t> </a:t>
+            </a:r>
+            <a:r>
+              <a:rPr lang="en-US" b="1" i="1" dirty="0"/>
+              <a:t>/CRM/</a:t>
+            </a:r>
+            <a:r>
+              <a:rPr lang="en-US" b="1" i="1" dirty="0" err="1"/>
+              <a:t>addOrder</a:t>
+            </a:r>
+            <a:r>
+              <a:rPr lang="en-US" dirty="0"/>
+              <a:t> - </a:t>
+            </a:r>
+            <a:r>
+              <a:rPr lang="ru-RU" dirty="0"/>
+              <a:t>добавляет заказ к списку заказов. В теле поста </a:t>
+            </a:r>
+            <a:r>
+              <a:rPr lang="en-US" dirty="0"/>
+              <a:t>JSON </a:t>
+            </a:r>
+            <a:r>
+              <a:rPr lang="ru-RU" dirty="0"/>
+              <a:t>с информацией о заказе.</a:t>
+            </a:r>
+          </a:p>
+          <a:p>
+            <a:r>
+              <a:rPr lang="en-US" b="1" dirty="0"/>
+              <a:t>POST</a:t>
+            </a:r>
+            <a:r>
+              <a:rPr lang="en-US" dirty="0"/>
+              <a:t> </a:t>
+            </a:r>
+            <a:r>
+              <a:rPr lang="en-US" b="1" i="1" dirty="0"/>
+              <a:t>/CRM/</a:t>
+            </a:r>
+            <a:r>
+              <a:rPr lang="en-US" b="1" i="1" dirty="0" err="1"/>
+              <a:t>findOrders</a:t>
+            </a:r>
+            <a:r>
+              <a:rPr lang="en-US" b="1" i="1" dirty="0"/>
+              <a:t> </a:t>
+            </a:r>
+            <a:r>
+              <a:rPr lang="en-US" dirty="0"/>
+              <a:t>- </a:t>
+            </a:r>
+            <a:r>
+              <a:rPr lang="ru-RU" dirty="0"/>
+              <a:t>поиск заказов по указанному </a:t>
+            </a:r>
+            <a:r>
+              <a:rPr lang="ru-RU" dirty="0" err="1"/>
+              <a:t>фильру</a:t>
+            </a:r>
+            <a:r>
+              <a:rPr lang="ru-RU" dirty="0"/>
+              <a:t>. В теле поста фильтр </a:t>
+            </a:r>
+            <a:r>
+              <a:rPr lang="en-US" dirty="0"/>
+              <a:t>JSON, </a:t>
+            </a:r>
+            <a:r>
+              <a:rPr lang="ru-RU" dirty="0"/>
+              <a:t>пример: Такой фильтр выдаст все заказы у клиента №2</a:t>
+            </a:r>
+            <a:r>
+              <a:rPr lang="ru-RU" dirty="0" smtClean="0"/>
+              <a:t>.</a:t>
+            </a:r>
+            <a:endParaRPr lang="ru-RU" dirty="0"/>
+          </a:p>
+          <a:p>
+            <a:r>
+              <a:rPr lang="ru-RU" dirty="0"/>
+              <a:t>{</a:t>
+            </a:r>
+          </a:p>
+          <a:p>
+            <a:r>
+              <a:rPr lang="ru-RU" dirty="0"/>
+              <a:t>    "</a:t>
+            </a:r>
+            <a:r>
+              <a:rPr lang="en-US" dirty="0" err="1"/>
+              <a:t>customerId</a:t>
+            </a:r>
+            <a:r>
+              <a:rPr lang="en-US" dirty="0"/>
+              <a:t>": 2</a:t>
+            </a:r>
+          </a:p>
+          <a:p>
+            <a:r>
+              <a:rPr lang="en-US" dirty="0" smtClean="0"/>
+              <a:t>}</a:t>
+            </a:r>
+            <a:endParaRPr lang="en-US" dirty="0"/>
+          </a:p>
+          <a:p>
+            <a:r>
+              <a:rPr lang="en-US" b="1" dirty="0"/>
+              <a:t>POST</a:t>
+            </a:r>
+            <a:r>
+              <a:rPr lang="en-US" dirty="0"/>
+              <a:t> </a:t>
+            </a:r>
+            <a:r>
+              <a:rPr lang="en-US" b="1" i="1" dirty="0"/>
+              <a:t>/CRM/</a:t>
+            </a:r>
+            <a:r>
+              <a:rPr lang="en-US" b="1" i="1" dirty="0" err="1"/>
+              <a:t>changeOrderStatus</a:t>
+            </a:r>
+            <a:r>
+              <a:rPr lang="en-US" dirty="0"/>
+              <a:t> - </a:t>
+            </a:r>
+            <a:r>
+              <a:rPr lang="ru-RU" dirty="0"/>
+              <a:t>меняет статус заказа. В теле поста следующая структура</a:t>
+            </a:r>
+            <a:r>
+              <a:rPr lang="ru-RU" dirty="0" smtClean="0"/>
+              <a:t>:</a:t>
+            </a:r>
+            <a:endParaRPr lang="ru-RU" dirty="0"/>
+          </a:p>
+          <a:p>
+            <a:r>
+              <a:rPr lang="ru-RU" dirty="0"/>
+              <a:t>{</a:t>
+            </a:r>
+          </a:p>
+          <a:p>
+            <a:r>
+              <a:rPr lang="ru-RU" dirty="0"/>
+              <a:t>    "</a:t>
+            </a:r>
+            <a:r>
+              <a:rPr lang="en-US" dirty="0" err="1"/>
+              <a:t>orderId</a:t>
+            </a:r>
+            <a:r>
+              <a:rPr lang="en-US" dirty="0"/>
+              <a:t>": </a:t>
+            </a:r>
+            <a:r>
+              <a:rPr lang="en-US" dirty="0" smtClean="0"/>
+              <a:t>“12”,</a:t>
+            </a:r>
+            <a:endParaRPr lang="en-US" dirty="0"/>
+          </a:p>
+          <a:p>
+            <a:r>
+              <a:rPr lang="en-US" dirty="0"/>
+              <a:t>    "status": "Complete"</a:t>
+            </a:r>
+          </a:p>
+          <a:p>
+            <a:r>
+              <a:rPr lang="en-US" dirty="0"/>
+              <a:t>}</a:t>
             </a:r>
             <a:endParaRPr lang="ru-RU" dirty="0"/>
           </a:p>
@@ -6297,6 +6862,96 @@
     <p:extLst>
       <p:ext uri="{BB962C8B-B14F-4D97-AF65-F5344CB8AC3E}">
         <p14:creationId xmlns:p14="http://schemas.microsoft.com/office/powerpoint/2010/main" val="3588229821"/>
+      </p:ext>
+    </p:extLst>
+  </p:cSld>
+  <p:clrMapOvr>
+    <a:masterClrMapping/>
+  </p:clrMapOvr>
+</p:sld>
+</file>
+
+<file path=ppt/slides/slide5.xml><?xml version="1.0" encoding="utf-8"?>
+<p:sld xmlns:a="http://schemas.openxmlformats.org/drawingml/2006/main" xmlns:r="http://schemas.openxmlformats.org/officeDocument/2006/relationships" xmlns:p="http://schemas.openxmlformats.org/presentationml/2006/main">
+  <p:cSld>
+    <p:spTree>
+      <p:nvGrpSpPr>
+        <p:cNvPr id="1" name=""/>
+        <p:cNvGrpSpPr/>
+        <p:nvPr/>
+      </p:nvGrpSpPr>
+      <p:grpSpPr>
+        <a:xfrm>
+          <a:off x="0" y="0"/>
+          <a:ext cx="0" cy="0"/>
+          <a:chOff x="0" y="0"/>
+          <a:chExt cx="0" cy="0"/>
+        </a:xfrm>
+      </p:grpSpPr>
+      <p:sp>
+        <p:nvSpPr>
+          <p:cNvPr id="2" name="Заголовок 1"/>
+          <p:cNvSpPr>
+            <a:spLocks noGrp="1"/>
+          </p:cNvSpPr>
+          <p:nvPr>
+            <p:ph type="title"/>
+          </p:nvPr>
+        </p:nvSpPr>
+        <p:spPr>
+          <a:xfrm>
+            <a:off x="1823358" y="223463"/>
+            <a:ext cx="10018713" cy="680663"/>
+          </a:xfrm>
+        </p:spPr>
+        <p:txBody>
+          <a:bodyPr>
+            <a:normAutofit fontScale="90000"/>
+          </a:bodyPr>
+          <a:lstStyle/>
+          <a:p>
+            <a:r>
+              <a:rPr lang="ru-RU" dirty="0" smtClean="0"/>
+              <a:t>Взаимодействие</a:t>
+            </a:r>
+            <a:endParaRPr lang="ru-RU" dirty="0"/>
+          </a:p>
+        </p:txBody>
+      </p:sp>
+      <p:pic>
+        <p:nvPicPr>
+          <p:cNvPr id="3" name="Рисунок 2"/>
+          <p:cNvPicPr>
+            <a:picLocks noChangeAspect="1"/>
+          </p:cNvPicPr>
+          <p:nvPr/>
+        </p:nvPicPr>
+        <p:blipFill>
+          <a:blip r:embed="rId2">
+            <a:extLst>
+              <a:ext uri="{28A0092B-C50C-407E-A947-70E740481C1C}">
+                <a14:useLocalDpi xmlns:a14="http://schemas.microsoft.com/office/drawing/2010/main" val="0"/>
+              </a:ext>
+            </a:extLst>
+          </a:blip>
+          <a:stretch>
+            <a:fillRect/>
+          </a:stretch>
+        </p:blipFill>
+        <p:spPr>
+          <a:xfrm>
+            <a:off x="2424700" y="888844"/>
+            <a:ext cx="8917969" cy="5849421"/>
+          </a:xfrm>
+          <a:prstGeom prst="rect">
+            <a:avLst/>
+          </a:prstGeom>
+        </p:spPr>
+      </p:pic>
+    </p:spTree>
+    <p:extLst>
+      <p:ext uri="{BB962C8B-B14F-4D97-AF65-F5344CB8AC3E}">
+        <p14:creationId xmlns:p14="http://schemas.microsoft.com/office/powerpoint/2010/main" val="3416718541"/>
       </p:ext>
     </p:extLst>
   </p:cSld>
